--- a/DSP Presentation.pptx
+++ b/DSP Presentation.pptx
@@ -5,17 +5,20 @@
     <p:sldMasterId id="2147483648" r:id="rId1"/>
   </p:sldMasterIdLst>
   <p:notesMasterIdLst>
-    <p:notesMasterId r:id="rId10"/>
+    <p:notesMasterId r:id="rId13"/>
   </p:notesMasterIdLst>
   <p:sldIdLst>
     <p:sldId id="256" r:id="rId2"/>
-    <p:sldId id="258" r:id="rId3"/>
-    <p:sldId id="261" r:id="rId4"/>
-    <p:sldId id="268" r:id="rId5"/>
-    <p:sldId id="266" r:id="rId6"/>
-    <p:sldId id="267" r:id="rId7"/>
-    <p:sldId id="264" r:id="rId8"/>
-    <p:sldId id="265" r:id="rId9"/>
+    <p:sldId id="266" r:id="rId3"/>
+    <p:sldId id="268" r:id="rId4"/>
+    <p:sldId id="258" r:id="rId5"/>
+    <p:sldId id="261" r:id="rId6"/>
+    <p:sldId id="262" r:id="rId7"/>
+    <p:sldId id="269" r:id="rId8"/>
+    <p:sldId id="270" r:id="rId9"/>
+    <p:sldId id="267" r:id="rId10"/>
+    <p:sldId id="264" r:id="rId11"/>
+    <p:sldId id="265" r:id="rId12"/>
   </p:sldIdLst>
   <p:sldSz cx="9144000" cy="5143500" type="screen16x9"/>
   <p:notesSz cx="6858000" cy="9144000"/>
@@ -215,7 +218,7 @@
           <a:p>
             <a:fld id="{63A7B76C-F787-49D0-9104-7559F9160E79}" type="datetimeFigureOut">
               <a:rPr lang="en-US" smtClean="0"/>
-              <a:t>4/30/2019</a:t>
+              <a:t>5/1/2019</a:t>
             </a:fld>
             <a:endParaRPr lang="en-US"/>
           </a:p>
@@ -701,7 +704,7 @@
             <a:fld id="{53074F12-AA26-4AC8-9962-C36BB8F32554}" type="datetimeFigureOut">
               <a:rPr lang="en-US" smtClean="0"/>
               <a:pPr/>
-              <a:t>4/30/2019</a:t>
+              <a:t>5/1/2019</a:t>
             </a:fld>
             <a:endParaRPr lang="en-US"/>
           </a:p>
@@ -955,7 +958,7 @@
             <a:fld id="{53074F12-AA26-4AC8-9962-C36BB8F32554}" type="datetimeFigureOut">
               <a:rPr lang="en-US" smtClean="0"/>
               <a:pPr/>
-              <a:t>4/30/2019</a:t>
+              <a:t>5/1/2019</a:t>
             </a:fld>
             <a:endParaRPr lang="en-US"/>
           </a:p>
@@ -1125,7 +1128,7 @@
             <a:fld id="{53074F12-AA26-4AC8-9962-C36BB8F32554}" type="datetimeFigureOut">
               <a:rPr lang="en-US" smtClean="0"/>
               <a:pPr/>
-              <a:t>4/30/2019</a:t>
+              <a:t>5/1/2019</a:t>
             </a:fld>
             <a:endParaRPr lang="en-US"/>
           </a:p>
@@ -1305,7 +1308,7 @@
             <a:fld id="{53074F12-AA26-4AC8-9962-C36BB8F32554}" type="datetimeFigureOut">
               <a:rPr lang="en-US" smtClean="0"/>
               <a:pPr/>
-              <a:t>4/30/2019</a:t>
+              <a:t>5/1/2019</a:t>
             </a:fld>
             <a:endParaRPr lang="en-US"/>
           </a:p>
@@ -1587,7 +1590,7 @@
             <a:fld id="{53074F12-AA26-4AC8-9962-C36BB8F32554}" type="datetimeFigureOut">
               <a:rPr lang="en-US" smtClean="0"/>
               <a:pPr/>
-              <a:t>4/30/2019</a:t>
+              <a:t>5/1/2019</a:t>
             </a:fld>
             <a:endParaRPr lang="en-US"/>
           </a:p>
@@ -1834,7 +1837,7 @@
             <a:fld id="{53074F12-AA26-4AC8-9962-C36BB8F32554}" type="datetimeFigureOut">
               <a:rPr lang="en-US" smtClean="0"/>
               <a:pPr/>
-              <a:t>4/30/2019</a:t>
+              <a:t>5/1/2019</a:t>
             </a:fld>
             <a:endParaRPr lang="en-US"/>
           </a:p>
@@ -2081,7 +2084,7 @@
             <a:fld id="{53074F12-AA26-4AC8-9962-C36BB8F32554}" type="datetimeFigureOut">
               <a:rPr lang="en-US" smtClean="0"/>
               <a:pPr/>
-              <a:t>4/30/2019</a:t>
+              <a:t>5/1/2019</a:t>
             </a:fld>
             <a:endParaRPr lang="en-US"/>
           </a:p>
@@ -2368,7 +2371,7 @@
             <a:fld id="{53074F12-AA26-4AC8-9962-C36BB8F32554}" type="datetimeFigureOut">
               <a:rPr lang="en-US" smtClean="0"/>
               <a:pPr/>
-              <a:t>4/30/2019</a:t>
+              <a:t>5/1/2019</a:t>
             </a:fld>
             <a:endParaRPr lang="en-US"/>
           </a:p>
@@ -2855,7 +2858,7 @@
             <a:fld id="{53074F12-AA26-4AC8-9962-C36BB8F32554}" type="datetimeFigureOut">
               <a:rPr lang="en-US" smtClean="0"/>
               <a:pPr/>
-              <a:t>4/30/2019</a:t>
+              <a:t>5/1/2019</a:t>
             </a:fld>
             <a:endParaRPr lang="en-US"/>
           </a:p>
@@ -2974,7 +2977,7 @@
             <a:fld id="{53074F12-AA26-4AC8-9962-C36BB8F32554}" type="datetimeFigureOut">
               <a:rPr lang="en-US" smtClean="0"/>
               <a:pPr/>
-              <a:t>4/30/2019</a:t>
+              <a:t>5/1/2019</a:t>
             </a:fld>
             <a:endParaRPr lang="en-US"/>
           </a:p>
@@ -3071,7 +3074,7 @@
             <a:fld id="{53074F12-AA26-4AC8-9962-C36BB8F32554}" type="datetimeFigureOut">
               <a:rPr lang="en-US" smtClean="0"/>
               <a:pPr/>
-              <a:t>4/30/2019</a:t>
+              <a:t>5/1/2019</a:t>
             </a:fld>
             <a:endParaRPr lang="en-US"/>
           </a:p>
@@ -3348,7 +3351,7 @@
             <a:fld id="{53074F12-AA26-4AC8-9962-C36BB8F32554}" type="datetimeFigureOut">
               <a:rPr lang="en-US" smtClean="0"/>
               <a:pPr/>
-              <a:t>4/30/2019</a:t>
+              <a:t>5/1/2019</a:t>
             </a:fld>
             <a:endParaRPr lang="en-US"/>
           </a:p>
@@ -3570,7 +3573,7 @@
             <a:fld id="{53074F12-AA26-4AC8-9962-C36BB8F32554}" type="datetimeFigureOut">
               <a:rPr lang="en-US" smtClean="0"/>
               <a:pPr/>
-              <a:t>4/30/2019</a:t>
+              <a:t>5/1/2019</a:t>
             </a:fld>
             <a:endParaRPr lang="en-US"/>
           </a:p>
@@ -4091,6 +4094,186 @@
 </p:sld>
 </file>
 
+<file path=ppt/slides/slide10.xml><?xml version="1.0" encoding="utf-8"?>
+<p:sld xmlns:a="http://schemas.openxmlformats.org/drawingml/2006/main" xmlns:r="http://schemas.openxmlformats.org/officeDocument/2006/relationships" xmlns:p="http://schemas.openxmlformats.org/presentationml/2006/main">
+  <p:cSld>
+    <p:spTree>
+      <p:nvGrpSpPr>
+        <p:cNvPr id="1" name=""/>
+        <p:cNvGrpSpPr/>
+        <p:nvPr/>
+      </p:nvGrpSpPr>
+      <p:grpSpPr>
+        <a:xfrm>
+          <a:off x="0" y="0"/>
+          <a:ext cx="0" cy="0"/>
+          <a:chOff x="0" y="0"/>
+          <a:chExt cx="0" cy="0"/>
+        </a:xfrm>
+      </p:grpSpPr>
+      <p:sp>
+        <p:nvSpPr>
+          <p:cNvPr id="4" name="Title 3"/>
+          <p:cNvSpPr>
+            <a:spLocks noGrp="1"/>
+          </p:cNvSpPr>
+          <p:nvPr>
+            <p:ph type="title"/>
+          </p:nvPr>
+        </p:nvSpPr>
+        <p:spPr>
+          <a:xfrm>
+            <a:off x="143555" y="281175"/>
+            <a:ext cx="8856889" cy="916230"/>
+          </a:xfrm>
+        </p:spPr>
+        <p:txBody>
+          <a:bodyPr>
+            <a:normAutofit/>
+          </a:bodyPr>
+          <a:lstStyle/>
+          <a:p>
+            <a:r>
+              <a:rPr lang="en-US" sz="3200" dirty="0"/>
+              <a:t>Future Work</a:t>
+            </a:r>
+          </a:p>
+        </p:txBody>
+      </p:sp>
+      <p:sp>
+        <p:nvSpPr>
+          <p:cNvPr id="6" name="Content Placeholder 5"/>
+          <p:cNvSpPr>
+            <a:spLocks noGrp="1"/>
+          </p:cNvSpPr>
+          <p:nvPr>
+            <p:ph sz="half" idx="2"/>
+          </p:nvPr>
+        </p:nvSpPr>
+        <p:spPr>
+          <a:xfrm>
+            <a:off x="143554" y="1350110"/>
+            <a:ext cx="8704185" cy="2748690"/>
+          </a:xfrm>
+        </p:spPr>
+        <p:txBody>
+          <a:bodyPr>
+            <a:normAutofit lnSpcReduction="10000"/>
+          </a:bodyPr>
+          <a:lstStyle/>
+          <a:p>
+            <a:pPr marL="457200" lvl="1" indent="0" algn="l">
+              <a:buNone/>
+            </a:pPr>
+            <a:endParaRPr lang="en-US" sz="1600" dirty="0"/>
+          </a:p>
+          <a:p>
+            <a:pPr algn="l"/>
+            <a:r>
+              <a:rPr lang="en-US" dirty="0"/>
+              <a:t>Planning to add financial news headlines related to the companies in the DOW Jones Index to see if prediction accuracy improves.</a:t>
+            </a:r>
+          </a:p>
+          <a:p>
+            <a:pPr algn="l"/>
+            <a:endParaRPr lang="en-US" dirty="0"/>
+          </a:p>
+          <a:p>
+            <a:pPr algn="l"/>
+            <a:r>
+              <a:rPr lang="en-US" dirty="0"/>
+              <a:t>Predicting stock movement of specific companies.</a:t>
+            </a:r>
+          </a:p>
+          <a:p>
+            <a:pPr algn="l"/>
+            <a:endParaRPr lang="en-US" dirty="0"/>
+          </a:p>
+          <a:p>
+            <a:pPr algn="l"/>
+            <a:r>
+              <a:rPr lang="en-US" dirty="0"/>
+              <a:t>Adding social media data like tweets about stock market.</a:t>
+            </a:r>
+          </a:p>
+        </p:txBody>
+      </p:sp>
+    </p:spTree>
+    <p:extLst>
+      <p:ext uri="{BB962C8B-B14F-4D97-AF65-F5344CB8AC3E}">
+        <p14:creationId xmlns:p14="http://schemas.microsoft.com/office/powerpoint/2010/main" val="2776639590"/>
+      </p:ext>
+    </p:extLst>
+  </p:cSld>
+  <p:clrMapOvr>
+    <a:masterClrMapping/>
+  </p:clrMapOvr>
+</p:sld>
+</file>
+
+<file path=ppt/slides/slide11.xml><?xml version="1.0" encoding="utf-8"?>
+<p:sld xmlns:a="http://schemas.openxmlformats.org/drawingml/2006/main" xmlns:r="http://schemas.openxmlformats.org/officeDocument/2006/relationships" xmlns:p="http://schemas.openxmlformats.org/presentationml/2006/main">
+  <p:cSld>
+    <p:spTree>
+      <p:nvGrpSpPr>
+        <p:cNvPr id="1" name=""/>
+        <p:cNvGrpSpPr/>
+        <p:nvPr/>
+      </p:nvGrpSpPr>
+      <p:grpSpPr>
+        <a:xfrm>
+          <a:off x="0" y="0"/>
+          <a:ext cx="0" cy="0"/>
+          <a:chOff x="0" y="0"/>
+          <a:chExt cx="0" cy="0"/>
+        </a:xfrm>
+      </p:grpSpPr>
+      <p:sp>
+        <p:nvSpPr>
+          <p:cNvPr id="2" name="Title 1">
+            <a:extLst>
+              <a:ext uri="{FF2B5EF4-FFF2-40B4-BE49-F238E27FC236}">
+                <a16:creationId xmlns:a16="http://schemas.microsoft.com/office/drawing/2014/main" id="{5AB7C3E5-F69A-4D7A-BBAA-C91225E9B72A}"/>
+              </a:ext>
+            </a:extLst>
+          </p:cNvPr>
+          <p:cNvSpPr>
+            <a:spLocks noGrp="1"/>
+          </p:cNvSpPr>
+          <p:nvPr>
+            <p:ph type="ctrTitle"/>
+          </p:nvPr>
+        </p:nvSpPr>
+        <p:spPr>
+          <a:xfrm>
+            <a:off x="4419295" y="1808225"/>
+            <a:ext cx="4581150" cy="1374345"/>
+          </a:xfrm>
+        </p:spPr>
+        <p:txBody>
+          <a:bodyPr/>
+          <a:lstStyle/>
+          <a:p>
+            <a:r>
+              <a:rPr lang="en-IN" dirty="0"/>
+              <a:t>Thank you !!</a:t>
+            </a:r>
+          </a:p>
+        </p:txBody>
+      </p:sp>
+    </p:spTree>
+    <p:extLst>
+      <p:ext uri="{BB962C8B-B14F-4D97-AF65-F5344CB8AC3E}">
+        <p14:creationId xmlns:p14="http://schemas.microsoft.com/office/powerpoint/2010/main" val="3436359048"/>
+      </p:ext>
+    </p:extLst>
+  </p:cSld>
+  <p:clrMapOvr>
+    <a:masterClrMapping/>
+  </p:clrMapOvr>
+</p:sld>
+</file>
+
 <file path=ppt/slides/slide2.xml><?xml version="1.0" encoding="utf-8"?>
 <p:sld xmlns:a="http://schemas.openxmlformats.org/drawingml/2006/main" xmlns:r="http://schemas.openxmlformats.org/officeDocument/2006/relationships" xmlns:p="http://schemas.openxmlformats.org/presentationml/2006/main">
   <p:cSld>
@@ -4110,7 +4293,13 @@
       </p:grpSpPr>
       <p:sp>
         <p:nvSpPr>
-          <p:cNvPr id="4" name="Title 3"/>
+          <p:cNvPr id="2" name="Title 1">
+            <a:extLst>
+              <a:ext uri="{FF2B5EF4-FFF2-40B4-BE49-F238E27FC236}">
+                <a16:creationId xmlns:a16="http://schemas.microsoft.com/office/drawing/2014/main" id="{5A3833DC-5FD2-43BC-A2E2-4AABF7073C0F}"/>
+              </a:ext>
+            </a:extLst>
+          </p:cNvPr>
           <p:cNvSpPr>
             <a:spLocks noGrp="1"/>
           </p:cNvSpPr>
@@ -4118,55 +4307,69 @@
             <p:ph type="title"/>
           </p:nvPr>
         </p:nvSpPr>
-        <p:spPr>
-          <a:xfrm>
-            <a:off x="1059786" y="272415"/>
-            <a:ext cx="7940659" cy="763525"/>
-          </a:xfrm>
-        </p:spPr>
+        <p:spPr/>
         <p:txBody>
           <a:bodyPr>
             <a:normAutofit/>
           </a:bodyPr>
           <a:lstStyle/>
           <a:p>
-            <a:r>
-              <a:rPr lang="en-US" sz="3200" dirty="0"/>
-              <a:t>Data Collection</a:t>
-            </a:r>
-          </a:p>
-        </p:txBody>
-      </p:sp>
-      <p:sp>
-        <p:nvSpPr>
-          <p:cNvPr id="5" name="Text Placeholder 4"/>
-          <p:cNvSpPr>
-            <a:spLocks noGrp="1"/>
-          </p:cNvSpPr>
-          <p:nvPr>
-            <p:ph type="body" idx="1"/>
-          </p:nvPr>
-        </p:nvSpPr>
+            <a:pPr algn="r"/>
+            <a:r>
+              <a:rPr lang="en-US" sz="3200" dirty="0">
+                <a:solidFill>
+                  <a:srgbClr val="FF0000"/>
+                </a:solidFill>
+              </a:rPr>
+              <a:t>Emotion to Algorithm</a:t>
+            </a:r>
+          </a:p>
+        </p:txBody>
+      </p:sp>
+      <p:pic>
+        <p:nvPicPr>
+          <p:cNvPr id="6" name="Content Placeholder 5" descr="A person wearing glasses and smiling at the camera&#10;&#10;Description automatically generated">
+            <a:extLst>
+              <a:ext uri="{FF2B5EF4-FFF2-40B4-BE49-F238E27FC236}">
+                <a16:creationId xmlns:a16="http://schemas.microsoft.com/office/drawing/2014/main" id="{9C2C3ED9-6607-4407-B2DB-FB8E1A620011}"/>
+              </a:ext>
+            </a:extLst>
+          </p:cNvPr>
+          <p:cNvPicPr>
+            <a:picLocks noGrp="1" noChangeAspect="1"/>
+          </p:cNvPicPr>
+          <p:nvPr>
+            <p:ph sz="half" idx="1"/>
+          </p:nvPr>
+        </p:nvPicPr>
+        <p:blipFill>
+          <a:blip r:embed="rId2">
+            <a:extLst>
+              <a:ext uri="{28A0092B-C50C-407E-A947-70E740481C1C}">
+                <a14:useLocalDpi xmlns:a14="http://schemas.microsoft.com/office/drawing/2010/main" val="0"/>
+              </a:ext>
+            </a:extLst>
+          </a:blip>
+          <a:stretch>
+            <a:fillRect/>
+          </a:stretch>
+        </p:blipFill>
         <p:spPr>
           <a:xfrm>
-            <a:off x="545951" y="1426462"/>
-            <a:ext cx="3054100" cy="479822"/>
+            <a:off x="457200" y="1798565"/>
+            <a:ext cx="4038600" cy="2197245"/>
           </a:xfrm>
         </p:spPr>
-        <p:txBody>
-          <a:bodyPr/>
-          <a:lstStyle/>
-          <a:p>
-            <a:r>
-              <a:rPr lang="en-US" dirty="0"/>
-              <a:t>News Data</a:t>
-            </a:r>
-          </a:p>
-        </p:txBody>
-      </p:sp>
-      <p:sp>
-        <p:nvSpPr>
-          <p:cNvPr id="6" name="Content Placeholder 5"/>
+      </p:pic>
+      <p:sp>
+        <p:nvSpPr>
+          <p:cNvPr id="4" name="Content Placeholder 3">
+            <a:extLst>
+              <a:ext uri="{FF2B5EF4-FFF2-40B4-BE49-F238E27FC236}">
+                <a16:creationId xmlns:a16="http://schemas.microsoft.com/office/drawing/2014/main" id="{8964011E-42C4-4799-A035-E5AE9FD255B8}"/>
+              </a:ext>
+            </a:extLst>
+          </p:cNvPr>
           <p:cNvSpPr>
             <a:spLocks noGrp="1"/>
           </p:cNvSpPr>
@@ -4174,139 +4377,54 @@
             <p:ph sz="half" idx="2"/>
           </p:nvPr>
         </p:nvSpPr>
-        <p:spPr>
-          <a:xfrm>
-            <a:off x="-9150" y="2288046"/>
-            <a:ext cx="4581150" cy="1658049"/>
-          </a:xfrm>
-        </p:spPr>
+        <p:spPr/>
         <p:txBody>
           <a:bodyPr>
-            <a:normAutofit lnSpcReduction="10000"/>
+            <a:normAutofit/>
           </a:bodyPr>
           <a:lstStyle/>
           <a:p>
-            <a:pPr algn="l"/>
-            <a:r>
-              <a:rPr lang="en-US" sz="2000" dirty="0"/>
-              <a:t>Historical news headlines from Reddit World News Channel(</a:t>
-            </a:r>
-            <a:r>
-              <a:rPr lang="en-IN" sz="2000" dirty="0"/>
-              <a:t>/r/</a:t>
-            </a:r>
-            <a:r>
-              <a:rPr lang="en-IN" sz="2000" dirty="0" err="1"/>
-              <a:t>worldnews</a:t>
-            </a:r>
-            <a:r>
-              <a:rPr lang="en-IN" sz="2000" dirty="0"/>
-              <a:t>).</a:t>
-            </a:r>
-          </a:p>
-          <a:p>
-            <a:pPr algn="l"/>
-            <a:r>
-              <a:rPr lang="en-US" sz="2000" dirty="0"/>
-              <a:t>Top 25 headlines for each date considered.</a:t>
-            </a:r>
-            <a:endParaRPr lang="en-IN" sz="2000" dirty="0"/>
-          </a:p>
-          <a:p>
-            <a:pPr algn="l"/>
-            <a:r>
-              <a:rPr lang="en-US" sz="2000" dirty="0"/>
-              <a:t>Date Range: 2008-08-08 to 2016-07-01</a:t>
-            </a:r>
-          </a:p>
-          <a:p>
-            <a:endParaRPr lang="en-US" dirty="0"/>
-          </a:p>
-        </p:txBody>
-      </p:sp>
-      <p:sp>
-        <p:nvSpPr>
-          <p:cNvPr id="7" name="Text Placeholder 6"/>
-          <p:cNvSpPr>
-            <a:spLocks noGrp="1"/>
-          </p:cNvSpPr>
-          <p:nvPr>
-            <p:ph type="body" sz="quarter" idx="3"/>
-          </p:nvPr>
-        </p:nvSpPr>
-        <p:spPr>
-          <a:xfrm>
-            <a:off x="5335525" y="1434240"/>
-            <a:ext cx="3278249" cy="479822"/>
-          </a:xfrm>
-        </p:spPr>
-        <p:txBody>
-          <a:bodyPr/>
-          <a:lstStyle/>
-          <a:p>
-            <a:r>
-              <a:rPr lang="en-US" dirty="0"/>
-              <a:t>Stock Market Data</a:t>
-            </a:r>
-          </a:p>
-        </p:txBody>
-      </p:sp>
-      <p:sp>
-        <p:nvSpPr>
-          <p:cNvPr id="8" name="Content Placeholder 7"/>
-          <p:cNvSpPr>
-            <a:spLocks noGrp="1"/>
-          </p:cNvSpPr>
-          <p:nvPr>
-            <p:ph sz="quarter" idx="4"/>
-          </p:nvPr>
-        </p:nvSpPr>
-        <p:spPr>
-          <a:xfrm>
-            <a:off x="4724705" y="2288047"/>
-            <a:ext cx="4275740" cy="1810754"/>
-          </a:xfrm>
-        </p:spPr>
-        <p:txBody>
-          <a:bodyPr>
-            <a:normAutofit lnSpcReduction="10000"/>
-          </a:bodyPr>
-          <a:lstStyle/>
-          <a:p>
-            <a:pPr algn="l"/>
-            <a:r>
-              <a:rPr lang="en-US" sz="2000" dirty="0"/>
-              <a:t>Dow Jones Industrial Average (DJIA) data</a:t>
-            </a:r>
-          </a:p>
-          <a:p>
-            <a:pPr algn="l"/>
-            <a:r>
-              <a:rPr lang="en-US" sz="2000" dirty="0"/>
-              <a:t>Date, Open, High, Low, Volume, Close, Adjacent close</a:t>
-            </a:r>
-          </a:p>
-          <a:p>
-            <a:pPr algn="l"/>
-            <a:r>
-              <a:rPr lang="en-US" sz="2000" dirty="0"/>
-              <a:t>Added another column – Start trend</a:t>
-            </a:r>
-          </a:p>
-          <a:p>
-            <a:pPr algn="l"/>
-            <a:endParaRPr lang="en-US" dirty="0"/>
-          </a:p>
-          <a:p>
-            <a:pPr algn="l"/>
-            <a:endParaRPr lang="en-US" dirty="0"/>
+            <a:r>
+              <a:rPr lang="en-US" sz="2400" dirty="0">
+                <a:solidFill>
+                  <a:schemeClr val="bg1"/>
+                </a:solidFill>
+              </a:rPr>
+              <a:t>In 2011, a Huffington Post blogger noted a funny trend.</a:t>
+            </a:r>
+          </a:p>
+          <a:p>
+            <a:r>
+              <a:rPr lang="en-US" sz="2400" dirty="0">
+                <a:solidFill>
+                  <a:schemeClr val="bg1"/>
+                </a:solidFill>
+              </a:rPr>
+              <a:t>When Anne Hathaway was in the news, Warren Buffet’s </a:t>
+            </a:r>
+            <a:r>
+              <a:rPr lang="en-US" sz="2400" dirty="0" err="1">
+                <a:solidFill>
+                  <a:schemeClr val="bg1"/>
+                </a:solidFill>
+              </a:rPr>
+              <a:t>Berkshires’s</a:t>
+            </a:r>
+            <a:r>
+              <a:rPr lang="en-US" sz="2400" dirty="0">
+                <a:solidFill>
+                  <a:schemeClr val="bg1"/>
+                </a:solidFill>
+              </a:rPr>
+              <a:t> Hathaway shares went up.</a:t>
+            </a:r>
           </a:p>
         </p:txBody>
       </p:sp>
     </p:spTree>
     <p:extLst>
       <p:ext uri="{BB962C8B-B14F-4D97-AF65-F5344CB8AC3E}">
-        <p14:creationId xmlns:p14="http://schemas.microsoft.com/office/powerpoint/2010/main" val="4170783713"/>
+        <p14:creationId xmlns:p14="http://schemas.microsoft.com/office/powerpoint/2010/main" val="4144981355"/>
       </p:ext>
     </p:extLst>
   </p:cSld>
@@ -4335,7 +4453,13 @@
       </p:grpSpPr>
       <p:sp>
         <p:nvSpPr>
-          <p:cNvPr id="4" name="Title 3"/>
+          <p:cNvPr id="2" name="Title 1">
+            <a:extLst>
+              <a:ext uri="{FF2B5EF4-FFF2-40B4-BE49-F238E27FC236}">
+                <a16:creationId xmlns:a16="http://schemas.microsoft.com/office/drawing/2014/main" id="{0E61C916-E7BF-47F9-925C-425483E8F12E}"/>
+              </a:ext>
+            </a:extLst>
+          </p:cNvPr>
           <p:cNvSpPr>
             <a:spLocks noGrp="1"/>
           </p:cNvSpPr>
@@ -4343,97 +4467,146 @@
             <p:ph type="title"/>
           </p:nvPr>
         </p:nvSpPr>
-        <p:spPr>
-          <a:xfrm>
-            <a:off x="1059785" y="281175"/>
-            <a:ext cx="7940659" cy="763525"/>
-          </a:xfrm>
-        </p:spPr>
+        <p:spPr/>
         <p:txBody>
           <a:bodyPr>
             <a:normAutofit/>
           </a:bodyPr>
           <a:lstStyle/>
           <a:p>
-            <a:r>
-              <a:rPr lang="en-US" sz="3200" dirty="0"/>
-              <a:t>News headlines Sentiment Analysis</a:t>
-            </a:r>
-          </a:p>
-        </p:txBody>
-      </p:sp>
-      <p:sp>
-        <p:nvSpPr>
-          <p:cNvPr id="6" name="Content Placeholder 5"/>
-          <p:cNvSpPr>
-            <a:spLocks noGrp="1"/>
-          </p:cNvSpPr>
-          <p:nvPr>
-            <p:ph sz="half" idx="2"/>
-          </p:nvPr>
-        </p:nvSpPr>
-        <p:spPr>
-          <a:xfrm>
-            <a:off x="143555" y="1350110"/>
-            <a:ext cx="7635250" cy="3054100"/>
-          </a:xfrm>
-        </p:spPr>
+            <a:pPr algn="r"/>
+            <a:r>
+              <a:rPr lang="en-US" sz="3200" dirty="0">
+                <a:solidFill>
+                  <a:srgbClr val="FF0000"/>
+                </a:solidFill>
+              </a:rPr>
+              <a:t>Firms that do Sentiment Analysis</a:t>
+            </a:r>
+          </a:p>
+        </p:txBody>
+      </p:sp>
+      <p:sp>
+        <p:nvSpPr>
+          <p:cNvPr id="3" name="Content Placeholder 2">
+            <a:extLst>
+              <a:ext uri="{FF2B5EF4-FFF2-40B4-BE49-F238E27FC236}">
+                <a16:creationId xmlns:a16="http://schemas.microsoft.com/office/drawing/2014/main" id="{43A4FAF3-1E18-4656-ADC0-6BE6A3FC2900}"/>
+              </a:ext>
+            </a:extLst>
+          </p:cNvPr>
+          <p:cNvSpPr>
+            <a:spLocks noGrp="1"/>
+          </p:cNvSpPr>
+          <p:nvPr>
+            <p:ph sz="half" idx="1"/>
+          </p:nvPr>
+        </p:nvSpPr>
+        <p:spPr/>
         <p:txBody>
           <a:bodyPr>
             <a:normAutofit/>
           </a:bodyPr>
           <a:lstStyle/>
           <a:p>
-            <a:pPr algn="l"/>
-            <a:r>
-              <a:rPr lang="en-US" sz="2000" dirty="0"/>
-              <a:t>VADER ( Valence Aware Dictionary and Sentiment Reasoner) python package for sentiment analysis of social media text like Twitter data, News data, Facebook data etc.</a:t>
-            </a:r>
-          </a:p>
-          <a:p>
-            <a:pPr lvl="1" algn="l"/>
-            <a:r>
-              <a:rPr lang="en-US" sz="1600" dirty="0"/>
-              <a:t>Based on lexicon of sentiment related words.</a:t>
-            </a:r>
-          </a:p>
-          <a:p>
-            <a:pPr lvl="1" algn="l"/>
-            <a:r>
-              <a:rPr lang="en-US" sz="1600" dirty="0"/>
-              <a:t>Generates 4 sentiment metrics : positive, negative, neutral and compound.</a:t>
-            </a:r>
-          </a:p>
-          <a:p>
-            <a:pPr lvl="1" algn="l"/>
-            <a:r>
-              <a:rPr lang="en-US" sz="1600" dirty="0"/>
-              <a:t>Recognizes capitalism of words as well. </a:t>
-            </a:r>
-          </a:p>
-          <a:p>
-            <a:pPr lvl="1" algn="l"/>
-            <a:r>
-              <a:rPr lang="en-US" sz="1600" dirty="0"/>
-              <a:t>Also considers words before the sentiment word. Ex: “Extremely bad”</a:t>
-            </a:r>
-          </a:p>
-          <a:p>
-            <a:pPr marL="457200" lvl="1" indent="0" algn="l">
+            <a:r>
+              <a:rPr lang="en-US" sz="2400" dirty="0">
+                <a:solidFill>
+                  <a:schemeClr val="bg1"/>
+                </a:solidFill>
+              </a:rPr>
+              <a:t>Two Sigma Investments</a:t>
+            </a:r>
+          </a:p>
+          <a:p>
+            <a:r>
+              <a:rPr lang="en-US" sz="2400" dirty="0">
+                <a:solidFill>
+                  <a:schemeClr val="bg1"/>
+                </a:solidFill>
+              </a:rPr>
+              <a:t>D. E. Shaw</a:t>
+            </a:r>
+          </a:p>
+          <a:p>
+            <a:r>
+              <a:rPr lang="en-US" sz="2400" dirty="0">
+                <a:solidFill>
+                  <a:schemeClr val="bg1"/>
+                </a:solidFill>
+              </a:rPr>
+              <a:t>Hedge funds:</a:t>
+            </a:r>
+          </a:p>
+          <a:p>
+            <a:pPr marL="400050" lvl="1" indent="0">
               <a:buNone/>
             </a:pPr>
-            <a:endParaRPr lang="en-US" sz="1600" dirty="0"/>
-          </a:p>
-          <a:p>
-            <a:pPr algn="l"/>
-            <a:endParaRPr lang="en-US" dirty="0"/>
+            <a:r>
+              <a:rPr lang="en-US" dirty="0">
+                <a:solidFill>
+                  <a:schemeClr val="bg1"/>
+                </a:solidFill>
+              </a:rPr>
+              <a:t>Renaissance Technologies</a:t>
+            </a:r>
+          </a:p>
+          <a:p>
+            <a:pPr marL="400050" lvl="1" indent="0">
+              <a:buNone/>
+            </a:pPr>
+            <a:r>
+              <a:rPr lang="en-US" dirty="0">
+                <a:solidFill>
+                  <a:schemeClr val="bg1"/>
+                </a:solidFill>
+              </a:rPr>
+              <a:t>Hudson River Trading</a:t>
+            </a:r>
+          </a:p>
+        </p:txBody>
+      </p:sp>
+      <p:sp>
+        <p:nvSpPr>
+          <p:cNvPr id="4" name="Content Placeholder 3">
+            <a:extLst>
+              <a:ext uri="{FF2B5EF4-FFF2-40B4-BE49-F238E27FC236}">
+                <a16:creationId xmlns:a16="http://schemas.microsoft.com/office/drawing/2014/main" id="{7566EA7E-E15B-455A-9D55-B3FE3FABA40A}"/>
+              </a:ext>
+            </a:extLst>
+          </p:cNvPr>
+          <p:cNvSpPr>
+            <a:spLocks noGrp="1"/>
+          </p:cNvSpPr>
+          <p:nvPr>
+            <p:ph sz="half" idx="2"/>
+          </p:nvPr>
+        </p:nvSpPr>
+        <p:spPr/>
+        <p:txBody>
+          <a:bodyPr>
+            <a:normAutofit/>
+          </a:bodyPr>
+          <a:lstStyle/>
+          <a:p>
+            <a:pPr marL="0" indent="0">
+              <a:buNone/>
+            </a:pPr>
+            <a:r>
+              <a:rPr lang="en-US" sz="2400" dirty="0">
+                <a:solidFill>
+                  <a:schemeClr val="bg1"/>
+                </a:solidFill>
+              </a:rPr>
+              <a:t>If the algorithm can react to a positive news article faster than anyone else in the market, they can make the profit that is the jump in price.</a:t>
+            </a:r>
           </a:p>
         </p:txBody>
       </p:sp>
     </p:spTree>
     <p:extLst>
       <p:ext uri="{BB962C8B-B14F-4D97-AF65-F5344CB8AC3E}">
-        <p14:creationId xmlns:p14="http://schemas.microsoft.com/office/powerpoint/2010/main" val="3383139924"/>
+        <p14:creationId xmlns:p14="http://schemas.microsoft.com/office/powerpoint/2010/main" val="212331273"/>
       </p:ext>
     </p:extLst>
   </p:cSld>
@@ -4484,7 +4657,7 @@
           <a:p>
             <a:r>
               <a:rPr lang="en-US" sz="3200" dirty="0"/>
-              <a:t>Training Models</a:t>
+              <a:t>Data Collection</a:t>
             </a:r>
           </a:p>
         </p:txBody>
@@ -4510,10 +4683,9 @@
           <a:lstStyle/>
           <a:p>
             <a:r>
-              <a:rPr lang="en-US" b="0" dirty="0"/>
-              <a:t>Input variables</a:t>
-            </a:r>
-            <a:endParaRPr lang="en-US" dirty="0"/>
+              <a:rPr lang="en-US" dirty="0"/>
+              <a:t>News Data</a:t>
+            </a:r>
           </a:p>
         </p:txBody>
       </p:sp>
@@ -4535,22 +4707,45 @@
         </p:spPr>
         <p:txBody>
           <a:bodyPr>
-            <a:normAutofit/>
+            <a:normAutofit lnSpcReduction="10000"/>
           </a:bodyPr>
           <a:lstStyle/>
           <a:p>
             <a:pPr algn="l"/>
             <a:r>
-              <a:rPr lang="en-US" dirty="0"/>
-              <a:t>Sentiment value for each news item</a:t>
+              <a:rPr lang="en-US" sz="2000" dirty="0"/>
+              <a:t>Historical news headlines from Reddit World News Channel(</a:t>
+            </a:r>
+            <a:r>
+              <a:rPr lang="en-IN" sz="2000" dirty="0"/>
+              <a:t>/r/</a:t>
+            </a:r>
+            <a:r>
+              <a:rPr lang="en-IN" sz="2000" dirty="0" err="1"/>
+              <a:t>worldnews</a:t>
+            </a:r>
+            <a:r>
+              <a:rPr lang="en-IN" sz="2000" dirty="0"/>
+              <a:t>).</a:t>
             </a:r>
           </a:p>
           <a:p>
             <a:pPr algn="l"/>
             <a:r>
-              <a:rPr lang="en-US" dirty="0"/>
-              <a:t>Start trend                                             </a:t>
-            </a:r>
+              <a:rPr lang="en-US" sz="2000" dirty="0"/>
+              <a:t>Top 25 headlines for each date considered.</a:t>
+            </a:r>
+            <a:endParaRPr lang="en-IN" sz="2000" dirty="0"/>
+          </a:p>
+          <a:p>
+            <a:pPr algn="l"/>
+            <a:r>
+              <a:rPr lang="en-US" sz="2000" dirty="0"/>
+              <a:t>Date Range: 2008-08-08 to 2016-07-01</a:t>
+            </a:r>
+          </a:p>
+          <a:p>
+            <a:endParaRPr lang="en-US" dirty="0"/>
           </a:p>
         </p:txBody>
       </p:sp>
@@ -4576,7 +4771,7 @@
           <a:p>
             <a:r>
               <a:rPr lang="en-US" dirty="0"/>
-              <a:t>Output variable</a:t>
+              <a:t>Stock Market Data</a:t>
             </a:r>
           </a:p>
         </p:txBody>
@@ -4599,15 +4794,33 @@
         </p:spPr>
         <p:txBody>
           <a:bodyPr>
-            <a:normAutofit/>
+            <a:normAutofit lnSpcReduction="10000"/>
           </a:bodyPr>
           <a:lstStyle/>
           <a:p>
             <a:pPr algn="l"/>
             <a:r>
-              <a:rPr lang="en-US" dirty="0"/>
-              <a:t>Stock market movement</a:t>
-            </a:r>
+              <a:rPr lang="en-US" sz="2000" dirty="0"/>
+              <a:t>Dow Jones Industrial Average (DJIA) data</a:t>
+            </a:r>
+          </a:p>
+          <a:p>
+            <a:pPr algn="l"/>
+            <a:r>
+              <a:rPr lang="en-US" sz="2000" dirty="0"/>
+              <a:t>Date, Open, High, Low, Volume, Close, Adjusted close</a:t>
+            </a:r>
+          </a:p>
+          <a:p>
+            <a:pPr algn="l"/>
+            <a:r>
+              <a:rPr lang="en-US" sz="2000" dirty="0"/>
+              <a:t>Added another column – Start trend</a:t>
+            </a:r>
+          </a:p>
+          <a:p>
+            <a:pPr algn="l"/>
+            <a:endParaRPr lang="en-US" dirty="0"/>
           </a:p>
           <a:p>
             <a:pPr algn="l"/>
@@ -4618,7 +4831,7 @@
     </p:spTree>
     <p:extLst>
       <p:ext uri="{BB962C8B-B14F-4D97-AF65-F5344CB8AC3E}">
-        <p14:creationId xmlns:p14="http://schemas.microsoft.com/office/powerpoint/2010/main" val="1738751211"/>
+        <p14:creationId xmlns:p14="http://schemas.microsoft.com/office/powerpoint/2010/main" val="4170783713"/>
       </p:ext>
     </p:extLst>
   </p:cSld>
@@ -4657,6 +4870,169 @@
         </p:nvSpPr>
         <p:spPr>
           <a:xfrm>
+            <a:off x="1059785" y="281175"/>
+            <a:ext cx="7940659" cy="763525"/>
+          </a:xfrm>
+        </p:spPr>
+        <p:txBody>
+          <a:bodyPr>
+            <a:normAutofit/>
+          </a:bodyPr>
+          <a:lstStyle/>
+          <a:p>
+            <a:r>
+              <a:rPr lang="en-US" sz="3200" dirty="0"/>
+              <a:t>News Headlines Sentiment Analysis</a:t>
+            </a:r>
+          </a:p>
+        </p:txBody>
+      </p:sp>
+      <p:sp>
+        <p:nvSpPr>
+          <p:cNvPr id="6" name="Content Placeholder 5"/>
+          <p:cNvSpPr>
+            <a:spLocks noGrp="1"/>
+          </p:cNvSpPr>
+          <p:nvPr>
+            <p:ph sz="half" idx="2"/>
+          </p:nvPr>
+        </p:nvSpPr>
+        <p:spPr>
+          <a:xfrm>
+            <a:off x="143555" y="1350109"/>
+            <a:ext cx="4202533" cy="3340225"/>
+          </a:xfrm>
+        </p:spPr>
+        <p:txBody>
+          <a:bodyPr>
+            <a:normAutofit fontScale="92500"/>
+          </a:bodyPr>
+          <a:lstStyle/>
+          <a:p>
+            <a:pPr algn="l"/>
+            <a:r>
+              <a:rPr lang="en-US" sz="2000" dirty="0"/>
+              <a:t>VADER ( Valence Aware Dictionary and Sentiment Reasoner) python package for sentiment analysis of social media text like Twitter data, News data, Facebook data etc.</a:t>
+            </a:r>
+          </a:p>
+          <a:p>
+            <a:pPr lvl="1" algn="l"/>
+            <a:r>
+              <a:rPr lang="en-US" sz="1600" dirty="0"/>
+              <a:t>Based on lexicon of sentiment related words.</a:t>
+            </a:r>
+          </a:p>
+          <a:p>
+            <a:pPr lvl="1" algn="l"/>
+            <a:r>
+              <a:rPr lang="en-US" sz="1600" dirty="0"/>
+              <a:t>Generates 4 sentiment metrics : positive, negative, neutral and compound.</a:t>
+            </a:r>
+          </a:p>
+          <a:p>
+            <a:pPr lvl="1" algn="l"/>
+            <a:r>
+              <a:rPr lang="en-US" sz="1600" dirty="0"/>
+              <a:t>Recognizes capitalism of words as well. </a:t>
+            </a:r>
+          </a:p>
+          <a:p>
+            <a:pPr lvl="1" algn="l"/>
+            <a:r>
+              <a:rPr lang="en-US" sz="1600" dirty="0"/>
+              <a:t>Also considers words before the sentiment word. Ex: “Extremely bad”</a:t>
+            </a:r>
+          </a:p>
+          <a:p>
+            <a:pPr marL="457200" lvl="1" indent="0" algn="l">
+              <a:buNone/>
+            </a:pPr>
+            <a:endParaRPr lang="en-US" sz="1600" dirty="0"/>
+          </a:p>
+          <a:p>
+            <a:pPr algn="l"/>
+            <a:endParaRPr lang="en-US" dirty="0"/>
+          </a:p>
+        </p:txBody>
+      </p:sp>
+      <p:pic>
+        <p:nvPicPr>
+          <p:cNvPr id="8" name="Picture 7" descr="A screenshot of a cell phone&#10;&#10;Description automatically generated">
+            <a:extLst>
+              <a:ext uri="{FF2B5EF4-FFF2-40B4-BE49-F238E27FC236}">
+                <a16:creationId xmlns:a16="http://schemas.microsoft.com/office/drawing/2014/main" id="{CABE6BAC-78ED-4AFE-82BC-DDD99A13325A}"/>
+              </a:ext>
+            </a:extLst>
+          </p:cNvPr>
+          <p:cNvPicPr>
+            <a:picLocks noChangeAspect="1"/>
+          </p:cNvPicPr>
+          <p:nvPr/>
+        </p:nvPicPr>
+        <p:blipFill>
+          <a:blip r:embed="rId2">
+            <a:extLst>
+              <a:ext uri="{28A0092B-C50C-407E-A947-70E740481C1C}">
+                <a14:useLocalDpi xmlns:a14="http://schemas.microsoft.com/office/drawing/2010/main" val="0"/>
+              </a:ext>
+            </a:extLst>
+          </a:blip>
+          <a:stretch>
+            <a:fillRect/>
+          </a:stretch>
+        </p:blipFill>
+        <p:spPr>
+          <a:xfrm>
+            <a:off x="4797915" y="1502815"/>
+            <a:ext cx="3498264" cy="3054100"/>
+          </a:xfrm>
+          <a:prstGeom prst="rect">
+            <a:avLst/>
+          </a:prstGeom>
+        </p:spPr>
+      </p:pic>
+    </p:spTree>
+    <p:extLst>
+      <p:ext uri="{BB962C8B-B14F-4D97-AF65-F5344CB8AC3E}">
+        <p14:creationId xmlns:p14="http://schemas.microsoft.com/office/powerpoint/2010/main" val="3383139924"/>
+      </p:ext>
+    </p:extLst>
+  </p:cSld>
+  <p:clrMapOvr>
+    <a:masterClrMapping/>
+  </p:clrMapOvr>
+</p:sld>
+</file>
+
+<file path=ppt/slides/slide6.xml><?xml version="1.0" encoding="utf-8"?>
+<p:sld xmlns:a="http://schemas.openxmlformats.org/drawingml/2006/main" xmlns:r="http://schemas.openxmlformats.org/officeDocument/2006/relationships" xmlns:p="http://schemas.openxmlformats.org/presentationml/2006/main">
+  <p:cSld>
+    <p:spTree>
+      <p:nvGrpSpPr>
+        <p:cNvPr id="1" name=""/>
+        <p:cNvGrpSpPr/>
+        <p:nvPr/>
+      </p:nvGrpSpPr>
+      <p:grpSpPr>
+        <a:xfrm>
+          <a:off x="0" y="0"/>
+          <a:ext cx="0" cy="0"/>
+          <a:chOff x="0" y="0"/>
+          <a:chExt cx="0" cy="0"/>
+        </a:xfrm>
+      </p:grpSpPr>
+      <p:sp>
+        <p:nvSpPr>
+          <p:cNvPr id="4" name="Title 3"/>
+          <p:cNvSpPr>
+            <a:spLocks noGrp="1"/>
+          </p:cNvSpPr>
+          <p:nvPr>
+            <p:ph type="title"/>
+          </p:nvPr>
+        </p:nvSpPr>
+        <p:spPr>
+          <a:xfrm>
             <a:off x="143555" y="281175"/>
             <a:ext cx="8856889" cy="916230"/>
           </a:xfrm>
@@ -4669,7 +5045,251 @@
           <a:p>
             <a:r>
               <a:rPr lang="en-US" sz="3200" dirty="0"/>
-              <a:t>Comparing Model performance</a:t>
+              <a:t>Training Models</a:t>
+            </a:r>
+          </a:p>
+        </p:txBody>
+      </p:sp>
+      <p:sp>
+        <p:nvSpPr>
+          <p:cNvPr id="6" name="Content Placeholder 5"/>
+          <p:cNvSpPr>
+            <a:spLocks noGrp="1"/>
+          </p:cNvSpPr>
+          <p:nvPr>
+            <p:ph sz="half" idx="2"/>
+          </p:nvPr>
+        </p:nvSpPr>
+        <p:spPr>
+          <a:xfrm>
+            <a:off x="143555" y="1350110"/>
+            <a:ext cx="7635250" cy="3054100"/>
+          </a:xfrm>
+        </p:spPr>
+        <p:txBody>
+          <a:bodyPr>
+            <a:normAutofit/>
+          </a:bodyPr>
+          <a:lstStyle/>
+          <a:p>
+            <a:pPr marL="457200" lvl="1" indent="0" algn="l">
+              <a:buNone/>
+            </a:pPr>
+            <a:endParaRPr lang="en-US" sz="1600" dirty="0"/>
+          </a:p>
+          <a:p>
+            <a:pPr algn="l"/>
+            <a:endParaRPr lang="en-US" dirty="0"/>
+          </a:p>
+        </p:txBody>
+      </p:sp>
+      <p:sp>
+        <p:nvSpPr>
+          <p:cNvPr id="3" name="Rectangle 2">
+            <a:extLst>
+              <a:ext uri="{FF2B5EF4-FFF2-40B4-BE49-F238E27FC236}">
+                <a16:creationId xmlns:a16="http://schemas.microsoft.com/office/drawing/2014/main" id="{9A001DF8-EFF4-4DE8-B715-046C77D734CC}"/>
+              </a:ext>
+            </a:extLst>
+          </p:cNvPr>
+          <p:cNvSpPr/>
+          <p:nvPr/>
+        </p:nvSpPr>
+        <p:spPr>
+          <a:xfrm>
+            <a:off x="754375" y="1350110"/>
+            <a:ext cx="7787955" cy="3785652"/>
+          </a:xfrm>
+          <a:prstGeom prst="rect">
+            <a:avLst/>
+          </a:prstGeom>
+        </p:spPr>
+        <p:txBody>
+          <a:bodyPr wrap="square">
+            <a:spAutoFit/>
+          </a:bodyPr>
+          <a:lstStyle/>
+          <a:p>
+            <a:r>
+              <a:rPr lang="en-US" sz="2000" dirty="0">
+                <a:solidFill>
+                  <a:schemeClr val="bg1"/>
+                </a:solidFill>
+              </a:rPr>
+              <a:t>Different models based on splitting of the data:</a:t>
+            </a:r>
+          </a:p>
+          <a:p>
+            <a:pPr marL="457200" indent="-457200">
+              <a:buFont typeface="+mj-lt"/>
+              <a:buAutoNum type="arabicPeriod"/>
+            </a:pPr>
+            <a:r>
+              <a:rPr lang="en-US" sz="2000" dirty="0">
+                <a:solidFill>
+                  <a:schemeClr val="bg1"/>
+                </a:solidFill>
+              </a:rPr>
+              <a:t>Training data - 6 years, Testing data - 2 years</a:t>
+            </a:r>
+          </a:p>
+          <a:p>
+            <a:pPr marL="457200" indent="-457200">
+              <a:buFont typeface="+mj-lt"/>
+              <a:buAutoNum type="arabicPeriod"/>
+            </a:pPr>
+            <a:r>
+              <a:rPr lang="en-US" sz="2000" dirty="0">
+                <a:solidFill>
+                  <a:schemeClr val="bg1"/>
+                </a:solidFill>
+              </a:rPr>
+              <a:t>Training data – 80 percent of data, Testing data – 20 percent of data without shuffling</a:t>
+            </a:r>
+          </a:p>
+          <a:p>
+            <a:pPr lvl="1"/>
+            <a:endParaRPr lang="en-US" sz="2000" dirty="0">
+              <a:solidFill>
+                <a:schemeClr val="bg1"/>
+              </a:solidFill>
+            </a:endParaRPr>
+          </a:p>
+          <a:p>
+            <a:r>
+              <a:rPr lang="en-US" sz="2000" dirty="0">
+                <a:solidFill>
+                  <a:schemeClr val="bg1"/>
+                </a:solidFill>
+              </a:rPr>
+              <a:t>Models applied:</a:t>
+            </a:r>
+          </a:p>
+          <a:p>
+            <a:pPr lvl="1"/>
+            <a:r>
+              <a:rPr lang="en-US" sz="2000" dirty="0">
+                <a:solidFill>
+                  <a:schemeClr val="bg1"/>
+                </a:solidFill>
+              </a:rPr>
+              <a:t>Logistic Regression</a:t>
+            </a:r>
+          </a:p>
+          <a:p>
+            <a:pPr lvl="1"/>
+            <a:r>
+              <a:rPr lang="en-US" sz="2000" dirty="0">
+                <a:solidFill>
+                  <a:schemeClr val="bg1"/>
+                </a:solidFill>
+              </a:rPr>
+              <a:t>K-Nearest Neighbors</a:t>
+            </a:r>
+          </a:p>
+          <a:p>
+            <a:pPr lvl="1"/>
+            <a:r>
+              <a:rPr lang="en-US" sz="2000" dirty="0">
+                <a:solidFill>
+                  <a:schemeClr val="bg1"/>
+                </a:solidFill>
+              </a:rPr>
+              <a:t>Decision tree</a:t>
+            </a:r>
+          </a:p>
+          <a:p>
+            <a:pPr lvl="1"/>
+            <a:r>
+              <a:rPr lang="en-US" sz="2000" dirty="0">
+                <a:solidFill>
+                  <a:schemeClr val="bg1"/>
+                </a:solidFill>
+              </a:rPr>
+              <a:t>SVM</a:t>
+            </a:r>
+          </a:p>
+          <a:p>
+            <a:pPr lvl="1"/>
+            <a:r>
+              <a:rPr lang="en-US" sz="2000" dirty="0" err="1">
+                <a:solidFill>
+                  <a:schemeClr val="bg1"/>
+                </a:solidFill>
+              </a:rPr>
+              <a:t>XGboost</a:t>
+            </a:r>
+            <a:endParaRPr lang="en-US" sz="2000" dirty="0">
+              <a:solidFill>
+                <a:schemeClr val="bg1"/>
+              </a:solidFill>
+            </a:endParaRPr>
+          </a:p>
+          <a:p>
+            <a:pPr lvl="1"/>
+            <a:endParaRPr lang="en-US" sz="2000" dirty="0">
+              <a:solidFill>
+                <a:schemeClr val="bg1"/>
+              </a:solidFill>
+            </a:endParaRPr>
+          </a:p>
+        </p:txBody>
+      </p:sp>
+    </p:spTree>
+    <p:extLst>
+      <p:ext uri="{BB962C8B-B14F-4D97-AF65-F5344CB8AC3E}">
+        <p14:creationId xmlns:p14="http://schemas.microsoft.com/office/powerpoint/2010/main" val="4078733629"/>
+      </p:ext>
+    </p:extLst>
+  </p:cSld>
+  <p:clrMapOvr>
+    <a:masterClrMapping/>
+  </p:clrMapOvr>
+</p:sld>
+</file>
+
+<file path=ppt/slides/slide7.xml><?xml version="1.0" encoding="utf-8"?>
+<p:sld xmlns:a="http://schemas.openxmlformats.org/drawingml/2006/main" xmlns:r="http://schemas.openxmlformats.org/officeDocument/2006/relationships" xmlns:p="http://schemas.openxmlformats.org/presentationml/2006/main">
+  <p:cSld>
+    <p:spTree>
+      <p:nvGrpSpPr>
+        <p:cNvPr id="1" name=""/>
+        <p:cNvGrpSpPr/>
+        <p:nvPr/>
+      </p:nvGrpSpPr>
+      <p:grpSpPr>
+        <a:xfrm>
+          <a:off x="0" y="0"/>
+          <a:ext cx="0" cy="0"/>
+          <a:chOff x="0" y="0"/>
+          <a:chExt cx="0" cy="0"/>
+        </a:xfrm>
+      </p:grpSpPr>
+      <p:sp>
+        <p:nvSpPr>
+          <p:cNvPr id="4" name="Title 3"/>
+          <p:cNvSpPr>
+            <a:spLocks noGrp="1"/>
+          </p:cNvSpPr>
+          <p:nvPr>
+            <p:ph type="title"/>
+          </p:nvPr>
+        </p:nvSpPr>
+        <p:spPr>
+          <a:xfrm>
+            <a:off x="143555" y="281175"/>
+            <a:ext cx="8856889" cy="916230"/>
+          </a:xfrm>
+        </p:spPr>
+        <p:txBody>
+          <a:bodyPr>
+            <a:normAutofit/>
+          </a:bodyPr>
+          <a:lstStyle/>
+          <a:p>
+            <a:r>
+              <a:rPr lang="en-US" sz="3200" dirty="0"/>
+              <a:t>Comparing Model Performance</a:t>
             </a:r>
           </a:p>
         </p:txBody>
@@ -5155,8 +5775,16 @@
           <a:lstStyle/>
           <a:p>
             <a:r>
+              <a:rPr lang="en-US" dirty="0">
+                <a:solidFill>
+                  <a:schemeClr val="bg1"/>
+                </a:solidFill>
+              </a:rPr>
+              <a:t>Taking data from 2008-08-08 to 2014-12-31 as train and 2015-01-01 to 2016-07-01 as tes</a:t>
+            </a:r>
+            <a:r>
               <a:rPr lang="en-US" dirty="0"/>
-              <a:t>Taking data from 2008-08-08 to 2014-12-31 as train and 2015-01-01 to 2016-07-01 as test</a:t>
+              <a:t>t</a:t>
             </a:r>
           </a:p>
         </p:txBody>
@@ -5174,7 +5802,7 @@
 </p:sld>
 </file>
 
-<file path=ppt/slides/slide6.xml><?xml version="1.0" encoding="utf-8"?>
+<file path=ppt/slides/slide8.xml><?xml version="1.0" encoding="utf-8"?>
 <p:sld xmlns:a="http://schemas.openxmlformats.org/drawingml/2006/main" xmlns:r="http://schemas.openxmlformats.org/officeDocument/2006/relationships" xmlns:p="http://schemas.openxmlformats.org/presentationml/2006/main">
   <p:cSld>
     <p:spTree>
@@ -5215,7 +5843,7 @@
           <a:p>
             <a:r>
               <a:rPr lang="en-US" sz="3200" dirty="0"/>
-              <a:t>Comparing Model performance</a:t>
+              <a:t>Comparing Model Performance</a:t>
             </a:r>
           </a:p>
         </p:txBody>
@@ -5266,11 +5894,7 @@
             <a:graphicFrameLocks noGrp="1"/>
           </p:cNvGraphicFramePr>
           <p:nvPr>
-            <p:extLst>
-              <p:ext uri="{D42A27DB-BD31-4B8C-83A1-F6EECF244321}">
-                <p14:modId xmlns:p14="http://schemas.microsoft.com/office/powerpoint/2010/main" val="2330365120"/>
-              </p:ext>
-            </p:extLst>
+            <p:extLst/>
           </p:nvPr>
         </p:nvGraphicFramePr>
         <p:xfrm>
@@ -5707,7 +6331,11 @@
           <a:lstStyle/>
           <a:p>
             <a:r>
-              <a:rPr lang="en-US" dirty="0"/>
+              <a:rPr lang="en-US" dirty="0">
+                <a:solidFill>
+                  <a:schemeClr val="bg1"/>
+                </a:solidFill>
+              </a:rPr>
               <a:t>Taking 80% of data as train and 20% as test</a:t>
             </a:r>
           </a:p>
@@ -5726,7 +6354,7 @@
 </p:sld>
 </file>
 
-<file path=ppt/slides/slide7.xml><?xml version="1.0" encoding="utf-8"?>
+<file path=ppt/slides/slide9.xml><?xml version="1.0" encoding="utf-8"?>
 <p:sld xmlns:a="http://schemas.openxmlformats.org/drawingml/2006/main" xmlns:r="http://schemas.openxmlformats.org/officeDocument/2006/relationships" xmlns:p="http://schemas.openxmlformats.org/presentationml/2006/main">
   <p:cSld>
     <p:spTree>
@@ -5745,7 +6373,13 @@
       </p:grpSpPr>
       <p:sp>
         <p:nvSpPr>
-          <p:cNvPr id="4" name="Title 3"/>
+          <p:cNvPr id="2" name="Title 1">
+            <a:extLst>
+              <a:ext uri="{FF2B5EF4-FFF2-40B4-BE49-F238E27FC236}">
+                <a16:creationId xmlns:a16="http://schemas.microsoft.com/office/drawing/2014/main" id="{19CBA200-4BBC-4C2E-A674-8D640261C20F}"/>
+              </a:ext>
+            </a:extLst>
+          </p:cNvPr>
           <p:cNvSpPr>
             <a:spLocks noGrp="1"/>
           </p:cNvSpPr>
@@ -5753,12 +6387,7 @@
             <p:ph type="title"/>
           </p:nvPr>
         </p:nvSpPr>
-        <p:spPr>
-          <a:xfrm>
-            <a:off x="143555" y="281175"/>
-            <a:ext cx="8856889" cy="916230"/>
-          </a:xfrm>
-        </p:spPr>
+        <p:spPr/>
         <p:txBody>
           <a:bodyPr>
             <a:normAutofit/>
@@ -5767,14 +6396,20 @@
           <a:p>
             <a:r>
               <a:rPr lang="en-US" sz="3200" dirty="0"/>
-              <a:t>Future Work</a:t>
-            </a:r>
-          </a:p>
-        </p:txBody>
-      </p:sp>
-      <p:sp>
-        <p:nvSpPr>
-          <p:cNvPr id="6" name="Content Placeholder 5"/>
+              <a:t>Conclusions</a:t>
+            </a:r>
+          </a:p>
+        </p:txBody>
+      </p:sp>
+      <p:sp>
+        <p:nvSpPr>
+          <p:cNvPr id="4" name="Content Placeholder 3">
+            <a:extLst>
+              <a:ext uri="{FF2B5EF4-FFF2-40B4-BE49-F238E27FC236}">
+                <a16:creationId xmlns:a16="http://schemas.microsoft.com/office/drawing/2014/main" id="{320DEA9B-082E-49A8-BF2E-B858AECA2604}"/>
+              </a:ext>
+            </a:extLst>
+          </p:cNvPr>
           <p:cNvSpPr>
             <a:spLocks noGrp="1"/>
           </p:cNvSpPr>
@@ -5784,8 +6419,8 @@
         </p:nvSpPr>
         <p:spPr>
           <a:xfrm>
-            <a:off x="143554" y="1350110"/>
-            <a:ext cx="8704185" cy="1985165"/>
+            <a:off x="296260" y="1502816"/>
+            <a:ext cx="7940659" cy="2923102"/>
           </a:xfrm>
         </p:spPr>
         <p:txBody>
@@ -5794,101 +6429,48 @@
           </a:bodyPr>
           <a:lstStyle/>
           <a:p>
-            <a:pPr marL="457200" lvl="1" indent="0" algn="l">
-              <a:buNone/>
-            </a:pPr>
-            <a:endParaRPr lang="en-US" sz="1600" dirty="0"/>
-          </a:p>
-          <a:p>
             <a:pPr algn="l"/>
             <a:r>
-              <a:rPr lang="en-US" sz="2000" dirty="0"/>
-              <a:t>Planning to add financial news headlines to see if prediction accuracy improves.</a:t>
+              <a:rPr lang="en-US" dirty="0"/>
+              <a:t>Naïve Bayes, SVM and </a:t>
+            </a:r>
+            <a:r>
+              <a:rPr lang="en-US" dirty="0" err="1"/>
+              <a:t>XGboost</a:t>
+            </a:r>
+            <a:r>
+              <a:rPr lang="en-US" dirty="0"/>
+              <a:t> classifier gives better results but no model works really well</a:t>
             </a:r>
           </a:p>
           <a:p>
             <a:pPr algn="l"/>
             <a:r>
-              <a:rPr lang="en-US" sz="2000" dirty="0"/>
-              <a:t>Predicting stock movement of specific companies.</a:t>
+              <a:rPr lang="en-US" dirty="0"/>
+              <a:t>May be actual article data rather than just headlines data could give more better results</a:t>
             </a:r>
           </a:p>
           <a:p>
             <a:pPr algn="l"/>
             <a:r>
-              <a:rPr lang="en-US" sz="2000" dirty="0"/>
-              <a:t>Adding social media data like tweets about stock market.</a:t>
-            </a:r>
+              <a:rPr lang="en-US" dirty="0"/>
+              <a:t>More information could have been included in the model, such as the previous day's change, the previous day's main headline(s). </a:t>
+            </a:r>
+          </a:p>
+          <a:p>
+            <a:pPr algn="l"/>
+            <a:endParaRPr lang="en-US" dirty="0"/>
+          </a:p>
+          <a:p>
+            <a:pPr algn="l"/>
+            <a:endParaRPr lang="en-US" dirty="0"/>
           </a:p>
         </p:txBody>
       </p:sp>
     </p:spTree>
     <p:extLst>
       <p:ext uri="{BB962C8B-B14F-4D97-AF65-F5344CB8AC3E}">
-        <p14:creationId xmlns:p14="http://schemas.microsoft.com/office/powerpoint/2010/main" val="2776639590"/>
-      </p:ext>
-    </p:extLst>
-  </p:cSld>
-  <p:clrMapOvr>
-    <a:masterClrMapping/>
-  </p:clrMapOvr>
-</p:sld>
-</file>
-
-<file path=ppt/slides/slide8.xml><?xml version="1.0" encoding="utf-8"?>
-<p:sld xmlns:a="http://schemas.openxmlformats.org/drawingml/2006/main" xmlns:r="http://schemas.openxmlformats.org/officeDocument/2006/relationships" xmlns:p="http://schemas.openxmlformats.org/presentationml/2006/main">
-  <p:cSld>
-    <p:spTree>
-      <p:nvGrpSpPr>
-        <p:cNvPr id="1" name=""/>
-        <p:cNvGrpSpPr/>
-        <p:nvPr/>
-      </p:nvGrpSpPr>
-      <p:grpSpPr>
-        <a:xfrm>
-          <a:off x="0" y="0"/>
-          <a:ext cx="0" cy="0"/>
-          <a:chOff x="0" y="0"/>
-          <a:chExt cx="0" cy="0"/>
-        </a:xfrm>
-      </p:grpSpPr>
-      <p:sp>
-        <p:nvSpPr>
-          <p:cNvPr id="2" name="Title 1">
-            <a:extLst>
-              <a:ext uri="{FF2B5EF4-FFF2-40B4-BE49-F238E27FC236}">
-                <a16:creationId xmlns:a16="http://schemas.microsoft.com/office/drawing/2014/main" id="{5AB7C3E5-F69A-4D7A-BBAA-C91225E9B72A}"/>
-              </a:ext>
-            </a:extLst>
-          </p:cNvPr>
-          <p:cNvSpPr>
-            <a:spLocks noGrp="1"/>
-          </p:cNvSpPr>
-          <p:nvPr>
-            <p:ph type="ctrTitle"/>
-          </p:nvPr>
-        </p:nvSpPr>
-        <p:spPr>
-          <a:xfrm>
-            <a:off x="4419295" y="1808225"/>
-            <a:ext cx="4581150" cy="1374345"/>
-          </a:xfrm>
-        </p:spPr>
-        <p:txBody>
-          <a:bodyPr/>
-          <a:lstStyle/>
-          <a:p>
-            <a:r>
-              <a:rPr lang="en-IN" dirty="0"/>
-              <a:t>Thank you !!</a:t>
-            </a:r>
-          </a:p>
-        </p:txBody>
-      </p:sp>
-    </p:spTree>
-    <p:extLst>
-      <p:ext uri="{BB962C8B-B14F-4D97-AF65-F5344CB8AC3E}">
-        <p14:creationId xmlns:p14="http://schemas.microsoft.com/office/powerpoint/2010/main" val="3436359048"/>
+        <p14:creationId xmlns:p14="http://schemas.microsoft.com/office/powerpoint/2010/main" val="1071135934"/>
       </p:ext>
     </p:extLst>
   </p:cSld>

--- a/DSP Presentation.pptx
+++ b/DSP Presentation.pptx
@@ -4900,12 +4900,12 @@
         <p:spPr>
           <a:xfrm>
             <a:off x="143555" y="1350109"/>
-            <a:ext cx="4202533" cy="3340225"/>
+            <a:ext cx="4202533" cy="3664921"/>
           </a:xfrm>
         </p:spPr>
         <p:txBody>
           <a:bodyPr>
-            <a:normAutofit fontScale="92500"/>
+            <a:normAutofit lnSpcReduction="10000"/>
           </a:bodyPr>
           <a:lstStyle/>
           <a:p>
@@ -5780,11 +5780,7 @@
                   <a:schemeClr val="bg1"/>
                 </a:solidFill>
               </a:rPr>
-              <a:t>Taking data from 2008-08-08 to 2014-12-31 as train and 2015-01-01 to 2016-07-01 as tes</a:t>
-            </a:r>
-            <a:r>
-              <a:rPr lang="en-US" dirty="0"/>
-              <a:t>t</a:t>
+              <a:t>Taking data from 2008-08-08 to 2014-12-31 as train and 2015-01-01 to 2016-07-01 as test</a:t>
             </a:r>
           </a:p>
         </p:txBody>
